--- a/HyperRail/Admin/Weekly Update WK7 SP21.pptx
+++ b/HyperRail/Admin/Weekly Update WK7 SP21.pptx
@@ -7236,6 +7236,36 @@
           </a:p>
         </p:txBody>
       </p:sp>
+      <p:pic>
+        <p:nvPicPr>
+          <p:cNvPr id="3" name="Picture 2">
+            <a:extLst>
+              <a:ext uri="{FF2B5EF4-FFF2-40B4-BE49-F238E27FC236}">
+                <a16:creationId xmlns:a16="http://schemas.microsoft.com/office/drawing/2014/main" id="{89B8F02E-9BD6-4813-AF2B-700781798BC9}"/>
+              </a:ext>
+            </a:extLst>
+          </p:cNvPr>
+          <p:cNvPicPr>
+            <a:picLocks noChangeAspect="1"/>
+          </p:cNvPicPr>
+          <p:nvPr/>
+        </p:nvPicPr>
+        <p:blipFill>
+          <a:blip r:embed="rId3"/>
+          <a:stretch>
+            <a:fillRect/>
+          </a:stretch>
+        </p:blipFill>
+        <p:spPr>
+          <a:xfrm>
+            <a:off x="6410885" y="2871334"/>
+            <a:ext cx="1697691" cy="1697691"/>
+          </a:xfrm>
+          <a:prstGeom prst="rect">
+            <a:avLst/>
+          </a:prstGeom>
+        </p:spPr>
+      </p:pic>
     </p:spTree>
   </p:cSld>
   <p:clrMapOvr>
